--- a/doc/RFML_1109.pptx
+++ b/doc/RFML_1109.pptx
@@ -21,12 +21,12 @@
     <p:sldId id="319" r:id="rId9"/>
     <p:sldId id="320" r:id="rId10"/>
     <p:sldId id="321" r:id="rId11"/>
-    <p:sldId id="322" r:id="rId12"/>
-    <p:sldId id="323" r:id="rId13"/>
-    <p:sldId id="314" r:id="rId14"/>
-    <p:sldId id="324" r:id="rId15"/>
-    <p:sldId id="325" r:id="rId16"/>
-    <p:sldId id="326" r:id="rId17"/>
+    <p:sldId id="323" r:id="rId12"/>
+    <p:sldId id="325" r:id="rId13"/>
+    <p:sldId id="324" r:id="rId14"/>
+    <p:sldId id="326" r:id="rId15"/>
+    <p:sldId id="328" r:id="rId16"/>
+    <p:sldId id="327" r:id="rId17"/>
     <p:sldId id="279" r:id="rId18"/>
   </p:sldIdLst>
   <p:sldSz cx="12192000" cy="6858000"/>
@@ -143,22 +143,14 @@
             <p14:sldId id="317"/>
             <p14:sldId id="318"/>
             <p14:sldId id="319"/>
-          </p14:sldIdLst>
-        </p14:section>
-        <p14:section name="Papers" id="{6B7FF85F-F64F-44FA-8546-89FE17D3DD92}">
-          <p14:sldIdLst>
             <p14:sldId id="320"/>
             <p14:sldId id="321"/>
-            <p14:sldId id="322"/>
             <p14:sldId id="323"/>
-          </p14:sldIdLst>
-        </p14:section>
-        <p14:section name="What's Next" id="{E7D5FA58-8103-407B-B798-0BE2AE169609}">
-          <p14:sldIdLst>
-            <p14:sldId id="314"/>
+            <p14:sldId id="325"/>
             <p14:sldId id="324"/>
-            <p14:sldId id="325"/>
             <p14:sldId id="326"/>
+            <p14:sldId id="328"/>
+            <p14:sldId id="327"/>
           </p14:sldIdLst>
         </p14:section>
         <p14:section name="GoodBye" id="{6B94AFC8-76D2-4012-BD6D-08A4D66B9E51}">
@@ -285,7 +277,7 @@
                 <a:latin typeface="微软雅黑" panose="020B0503020204020204" pitchFamily="34" charset="-122"/>
                 <a:ea typeface="微软雅黑" panose="020B0503020204020204" pitchFamily="34" charset="-122"/>
               </a:rPr>
-              <a:t>2019年11月23日</a:t>
+              <a:t>2019年11月26日</a:t>
             </a:fld>
             <a:endParaRPr lang="en-US" dirty="0">
               <a:latin typeface="微软雅黑" panose="020B0503020204020204" pitchFamily="34" charset="-122"/>
@@ -472,7 +464,7 @@
             <a:fld id="{10717CCD-7153-4CFA-8FE4-043AE2A91A48}" type="datetime2">
               <a:rPr lang="zh-CN" altLang="en-US" smtClean="0"/>
               <a:pPr/>
-              <a:t>2019年11月23日</a:t>
+              <a:t>2019年11月26日</a:t>
             </a:fld>
             <a:endParaRPr lang="en-US" dirty="0"/>
           </a:p>
@@ -1267,7 +1259,7 @@
           <a:p>
             <a:fld id="{A2E6A586-E29C-467A-BC2C-A3C898D2EDEB}" type="datetime1">
               <a:rPr lang="zh-CN" altLang="en-US" smtClean="0"/>
-              <a:t>2019/11/23</a:t>
+              <a:t>2019/11/26</a:t>
             </a:fld>
             <a:endParaRPr lang="en-US" dirty="0"/>
           </a:p>
@@ -1767,7 +1759,7 @@
           <a:p>
             <a:fld id="{06A31C7A-7F29-444B-91F2-C0EF11C66626}" type="datetime1">
               <a:rPr lang="zh-CN" altLang="en-US" smtClean="0"/>
-              <a:t>2019/11/23</a:t>
+              <a:t>2019/11/26</a:t>
             </a:fld>
             <a:endParaRPr lang="en-US" dirty="0"/>
           </a:p>
@@ -2267,7 +2259,7 @@
           <a:p>
             <a:fld id="{6ADAE8E0-AD22-4009-A222-EF060C111DC5}" type="datetime1">
               <a:rPr lang="zh-CN" altLang="en-US" smtClean="0"/>
-              <a:t>2019/11/23</a:t>
+              <a:t>2019/11/26</a:t>
             </a:fld>
             <a:endParaRPr lang="en-US" dirty="0"/>
           </a:p>
@@ -2476,7 +2468,7 @@
           <a:p>
             <a:fld id="{CA7BA1A3-2974-40AA-98AE-FB4AAFCEC7C8}" type="datetime1">
               <a:rPr lang="zh-CN" altLang="en-US" smtClean="0"/>
-              <a:t>2019/11/23</a:t>
+              <a:t>2019/11/26</a:t>
             </a:fld>
             <a:endParaRPr lang="en-US" dirty="0"/>
           </a:p>
@@ -2734,7 +2726,7 @@
           <a:p>
             <a:fld id="{BBE60FB2-9A55-4864-A278-C1EFB3DE4448}" type="datetime1">
               <a:rPr lang="zh-CN" altLang="en-US" smtClean="0"/>
-              <a:t>2019/11/23</a:t>
+              <a:t>2019/11/26</a:t>
             </a:fld>
             <a:endParaRPr lang="en-US" dirty="0"/>
           </a:p>
@@ -2984,7 +2976,7 @@
           <a:p>
             <a:fld id="{DE03CAA6-2248-431D-A521-BF2EDFE31F0C}" type="datetime1">
               <a:rPr lang="zh-CN" altLang="en-US" smtClean="0"/>
-              <a:t>2019/11/23</a:t>
+              <a:t>2019/11/26</a:t>
             </a:fld>
             <a:endParaRPr lang="en-US" dirty="0"/>
           </a:p>
@@ -3918,7 +3910,7 @@
           <a:p>
             <a:fld id="{65A0BD5A-5072-4E0F-8EAC-D84D64B37C8E}" type="datetime1">
               <a:rPr lang="zh-CN" altLang="en-US" smtClean="0"/>
-              <a:t>2019/11/23</a:t>
+              <a:t>2019/11/26</a:t>
             </a:fld>
             <a:endParaRPr lang="en-US" dirty="0"/>
           </a:p>
@@ -4512,18 +4504,18 @@
       </p:grpSpPr>
       <p:sp>
         <p:nvSpPr>
-          <p:cNvPr id="2" name="标题 1">
-            <a:extLst>
-              <a:ext uri="{FF2B5EF4-FFF2-40B4-BE49-F238E27FC236}">
-                <a16:creationId xmlns:a16="http://schemas.microsoft.com/office/drawing/2014/main" id="{2967BFD7-50C3-4F79-977C-2389F33F36CF}"/>
-              </a:ext>
-            </a:extLst>
-          </p:cNvPr>
-          <p:cNvSpPr>
-            <a:spLocks noGrp="1"/>
-          </p:cNvSpPr>
-          <p:nvPr>
-            <p:ph type="title"/>
+          <p:cNvPr id="3" name="日期占位符 2">
+            <a:extLst>
+              <a:ext uri="{FF2B5EF4-FFF2-40B4-BE49-F238E27FC236}">
+                <a16:creationId xmlns:a16="http://schemas.microsoft.com/office/drawing/2014/main" id="{764C7325-BF57-4B02-8D6B-AA4C93AE28A9}"/>
+              </a:ext>
+            </a:extLst>
+          </p:cNvPr>
+          <p:cNvSpPr>
+            <a:spLocks noGrp="1"/>
+          </p:cNvSpPr>
+          <p:nvPr>
+            <p:ph type="dt" sz="half" idx="10"/>
           </p:nvPr>
         </p:nvSpPr>
         <p:spPr/>
@@ -4531,38 +4523,9 @@
           <a:bodyPr/>
           <a:lstStyle/>
           <a:p>
-            <a:r>
-              <a:rPr lang="en-US" altLang="zh-CN" dirty="0"/>
-              <a:t>CNN</a:t>
-            </a:r>
-            <a:endParaRPr lang="zh-CN" altLang="en-US" dirty="0"/>
-          </a:p>
-        </p:txBody>
-      </p:sp>
-      <p:sp>
-        <p:nvSpPr>
-          <p:cNvPr id="3" name="日期占位符 2">
-            <a:extLst>
-              <a:ext uri="{FF2B5EF4-FFF2-40B4-BE49-F238E27FC236}">
-                <a16:creationId xmlns:a16="http://schemas.microsoft.com/office/drawing/2014/main" id="{4E93B7A0-AF75-4A72-89C4-DAD541291B0B}"/>
-              </a:ext>
-            </a:extLst>
-          </p:cNvPr>
-          <p:cNvSpPr>
-            <a:spLocks noGrp="1"/>
-          </p:cNvSpPr>
-          <p:nvPr>
-            <p:ph type="dt" sz="half" idx="10"/>
-          </p:nvPr>
-        </p:nvSpPr>
-        <p:spPr/>
-        <p:txBody>
-          <a:bodyPr/>
-          <a:lstStyle/>
-          <a:p>
-            <a:fld id="{BBE60FB2-9A55-4864-A278-C1EFB3DE4448}" type="datetime1">
+            <a:fld id="{CA7BA1A3-2974-40AA-98AE-FB4AAFCEC7C8}" type="datetime1">
               <a:rPr lang="zh-CN" altLang="en-US" smtClean="0"/>
-              <a:t>2019/11/23</a:t>
+              <a:t>2019/11/26</a:t>
             </a:fld>
             <a:endParaRPr lang="en-US" dirty="0"/>
           </a:p>
@@ -4573,7 +4536,7 @@
           <p:cNvPr id="4" name="页脚占位符 3">
             <a:extLst>
               <a:ext uri="{FF2B5EF4-FFF2-40B4-BE49-F238E27FC236}">
-                <a16:creationId xmlns:a16="http://schemas.microsoft.com/office/drawing/2014/main" id="{C3DB7906-DB2D-47FA-BBCB-8B837397B888}"/>
+                <a16:creationId xmlns:a16="http://schemas.microsoft.com/office/drawing/2014/main" id="{EFDFF5F5-0801-41CE-BE1C-4E6B8FBF4784}"/>
               </a:ext>
             </a:extLst>
           </p:cNvPr>
@@ -4602,7 +4565,7 @@
           <p:cNvPr id="5" name="灯片编号占位符 4">
             <a:extLst>
               <a:ext uri="{FF2B5EF4-FFF2-40B4-BE49-F238E27FC236}">
-                <a16:creationId xmlns:a16="http://schemas.microsoft.com/office/drawing/2014/main" id="{0E970B73-B30A-4CDE-9497-591FEB92F0E9}"/>
+                <a16:creationId xmlns:a16="http://schemas.microsoft.com/office/drawing/2014/main" id="{A6E111C5-4119-4075-835F-B63351020482}"/>
               </a:ext>
             </a:extLst>
           </p:cNvPr>
@@ -4627,12 +4590,37 @@
           </a:p>
         </p:txBody>
       </p:sp>
+      <p:sp>
+        <p:nvSpPr>
+          <p:cNvPr id="7" name="文本占位符 6">
+            <a:extLst>
+              <a:ext uri="{FF2B5EF4-FFF2-40B4-BE49-F238E27FC236}">
+                <a16:creationId xmlns:a16="http://schemas.microsoft.com/office/drawing/2014/main" id="{CAAAEABF-211A-4C9D-B270-509D20E2AB82}"/>
+              </a:ext>
+            </a:extLst>
+          </p:cNvPr>
+          <p:cNvSpPr>
+            <a:spLocks noGrp="1"/>
+          </p:cNvSpPr>
+          <p:nvPr>
+            <p:ph type="body" sz="quarter" idx="14"/>
+          </p:nvPr>
+        </p:nvSpPr>
+        <p:spPr/>
+        <p:txBody>
+          <a:bodyPr/>
+          <a:lstStyle/>
+          <a:p>
+            <a:endParaRPr lang="zh-CN" altLang="en-US"/>
+          </a:p>
+        </p:txBody>
+      </p:sp>
       <p:pic>
         <p:nvPicPr>
-          <p:cNvPr id="7" name="图片 6">
-            <a:extLst>
-              <a:ext uri="{FF2B5EF4-FFF2-40B4-BE49-F238E27FC236}">
-                <a16:creationId xmlns:a16="http://schemas.microsoft.com/office/drawing/2014/main" id="{F61163F1-87D6-469E-AB02-4C59149EC70C}"/>
+          <p:cNvPr id="2" name="图片 1">
+            <a:extLst>
+              <a:ext uri="{FF2B5EF4-FFF2-40B4-BE49-F238E27FC236}">
+                <a16:creationId xmlns:a16="http://schemas.microsoft.com/office/drawing/2014/main" id="{7BA5ED3E-0A0C-421E-B27F-B58CD825F23B}"/>
               </a:ext>
             </a:extLst>
           </p:cNvPr>
@@ -4641,46 +4629,15 @@
           </p:cNvPicPr>
           <p:nvPr/>
         </p:nvPicPr>
-        <p:blipFill>
+        <p:blipFill rotWithShape="1">
           <a:blip r:embed="rId2"/>
-          <a:stretch>
-            <a:fillRect/>
-          </a:stretch>
+          <a:srcRect l="2393" t="12104" r="2063" b="2506"/>
+          <a:stretch/>
         </p:blipFill>
         <p:spPr>
           <a:xfrm>
-            <a:off x="3208562" y="1316258"/>
-            <a:ext cx="5356598" cy="1382348"/>
-          </a:xfrm>
-          <a:prstGeom prst="rect">
-            <a:avLst/>
-          </a:prstGeom>
-        </p:spPr>
-      </p:pic>
-      <p:pic>
-        <p:nvPicPr>
-          <p:cNvPr id="8" name="图片 7">
-            <a:extLst>
-              <a:ext uri="{FF2B5EF4-FFF2-40B4-BE49-F238E27FC236}">
-                <a16:creationId xmlns:a16="http://schemas.microsoft.com/office/drawing/2014/main" id="{87BCC32C-F464-4856-A06C-829860EE722D}"/>
-              </a:ext>
-            </a:extLst>
-          </p:cNvPr>
-          <p:cNvPicPr>
-            <a:picLocks noChangeAspect="1"/>
-          </p:cNvPicPr>
-          <p:nvPr/>
-        </p:nvPicPr>
-        <p:blipFill>
-          <a:blip r:embed="rId3"/>
-          <a:stretch>
-            <a:fillRect/>
-          </a:stretch>
-        </p:blipFill>
-        <p:spPr>
-          <a:xfrm>
-            <a:off x="1853354" y="2947865"/>
-            <a:ext cx="8485292" cy="2882823"/>
+            <a:off x="692674" y="0"/>
+            <a:ext cx="10959830" cy="6848945"/>
           </a:xfrm>
           <a:prstGeom prst="rect">
             <a:avLst/>
@@ -4690,7 +4647,7 @@
     </p:spTree>
     <p:extLst>
       <p:ext uri="{BB962C8B-B14F-4D97-AF65-F5344CB8AC3E}">
-        <p14:creationId xmlns:p14="http://schemas.microsoft.com/office/powerpoint/2010/main" val="3887445801"/>
+        <p14:creationId xmlns:p14="http://schemas.microsoft.com/office/powerpoint/2010/main" val="3493375897"/>
       </p:ext>
     </p:extLst>
   </p:cSld>
@@ -4722,18 +4679,18 @@
       </p:grpSpPr>
       <p:sp>
         <p:nvSpPr>
-          <p:cNvPr id="2" name="标题 1">
-            <a:extLst>
-              <a:ext uri="{FF2B5EF4-FFF2-40B4-BE49-F238E27FC236}">
-                <a16:creationId xmlns:a16="http://schemas.microsoft.com/office/drawing/2014/main" id="{2967BFD7-50C3-4F79-977C-2389F33F36CF}"/>
-              </a:ext>
-            </a:extLst>
-          </p:cNvPr>
-          <p:cNvSpPr>
-            <a:spLocks noGrp="1"/>
-          </p:cNvSpPr>
-          <p:nvPr>
-            <p:ph type="title"/>
+          <p:cNvPr id="3" name="日期占位符 2">
+            <a:extLst>
+              <a:ext uri="{FF2B5EF4-FFF2-40B4-BE49-F238E27FC236}">
+                <a16:creationId xmlns:a16="http://schemas.microsoft.com/office/drawing/2014/main" id="{764C7325-BF57-4B02-8D6B-AA4C93AE28A9}"/>
+              </a:ext>
+            </a:extLst>
+          </p:cNvPr>
+          <p:cNvSpPr>
+            <a:spLocks noGrp="1"/>
+          </p:cNvSpPr>
+          <p:nvPr>
+            <p:ph type="dt" sz="half" idx="10"/>
           </p:nvPr>
         </p:nvSpPr>
         <p:spPr/>
@@ -4741,38 +4698,9 @@
           <a:bodyPr/>
           <a:lstStyle/>
           <a:p>
-            <a:r>
-              <a:rPr lang="en-US" altLang="zh-CN" dirty="0"/>
-              <a:t>CNN</a:t>
-            </a:r>
-            <a:endParaRPr lang="zh-CN" altLang="en-US" dirty="0"/>
-          </a:p>
-        </p:txBody>
-      </p:sp>
-      <p:sp>
-        <p:nvSpPr>
-          <p:cNvPr id="3" name="日期占位符 2">
-            <a:extLst>
-              <a:ext uri="{FF2B5EF4-FFF2-40B4-BE49-F238E27FC236}">
-                <a16:creationId xmlns:a16="http://schemas.microsoft.com/office/drawing/2014/main" id="{4E93B7A0-AF75-4A72-89C4-DAD541291B0B}"/>
-              </a:ext>
-            </a:extLst>
-          </p:cNvPr>
-          <p:cNvSpPr>
-            <a:spLocks noGrp="1"/>
-          </p:cNvSpPr>
-          <p:nvPr>
-            <p:ph type="dt" sz="half" idx="10"/>
-          </p:nvPr>
-        </p:nvSpPr>
-        <p:spPr/>
-        <p:txBody>
-          <a:bodyPr/>
-          <a:lstStyle/>
-          <a:p>
-            <a:fld id="{BBE60FB2-9A55-4864-A278-C1EFB3DE4448}" type="datetime1">
+            <a:fld id="{CA7BA1A3-2974-40AA-98AE-FB4AAFCEC7C8}" type="datetime1">
               <a:rPr lang="zh-CN" altLang="en-US" smtClean="0"/>
-              <a:t>2019/11/23</a:t>
+              <a:t>2019/11/26</a:t>
             </a:fld>
             <a:endParaRPr lang="en-US" dirty="0"/>
           </a:p>
@@ -4783,7 +4711,7 @@
           <p:cNvPr id="4" name="页脚占位符 3">
             <a:extLst>
               <a:ext uri="{FF2B5EF4-FFF2-40B4-BE49-F238E27FC236}">
-                <a16:creationId xmlns:a16="http://schemas.microsoft.com/office/drawing/2014/main" id="{C3DB7906-DB2D-47FA-BBCB-8B837397B888}"/>
+                <a16:creationId xmlns:a16="http://schemas.microsoft.com/office/drawing/2014/main" id="{EFDFF5F5-0801-41CE-BE1C-4E6B8FBF4784}"/>
               </a:ext>
             </a:extLst>
           </p:cNvPr>
@@ -4812,7 +4740,7 @@
           <p:cNvPr id="5" name="灯片编号占位符 4">
             <a:extLst>
               <a:ext uri="{FF2B5EF4-FFF2-40B4-BE49-F238E27FC236}">
-                <a16:creationId xmlns:a16="http://schemas.microsoft.com/office/drawing/2014/main" id="{0E970B73-B30A-4CDE-9497-591FEB92F0E9}"/>
+                <a16:creationId xmlns:a16="http://schemas.microsoft.com/office/drawing/2014/main" id="{A6E111C5-4119-4075-835F-B63351020482}"/>
               </a:ext>
             </a:extLst>
           </p:cNvPr>
@@ -4837,12 +4765,37 @@
           </a:p>
         </p:txBody>
       </p:sp>
+      <p:sp>
+        <p:nvSpPr>
+          <p:cNvPr id="7" name="文本占位符 6">
+            <a:extLst>
+              <a:ext uri="{FF2B5EF4-FFF2-40B4-BE49-F238E27FC236}">
+                <a16:creationId xmlns:a16="http://schemas.microsoft.com/office/drawing/2014/main" id="{CAAAEABF-211A-4C9D-B270-509D20E2AB82}"/>
+              </a:ext>
+            </a:extLst>
+          </p:cNvPr>
+          <p:cNvSpPr>
+            <a:spLocks noGrp="1"/>
+          </p:cNvSpPr>
+          <p:nvPr>
+            <p:ph type="body" sz="quarter" idx="14"/>
+          </p:nvPr>
+        </p:nvSpPr>
+        <p:spPr/>
+        <p:txBody>
+          <a:bodyPr/>
+          <a:lstStyle/>
+          <a:p>
+            <a:endParaRPr lang="zh-CN" altLang="en-US"/>
+          </a:p>
+        </p:txBody>
+      </p:sp>
       <p:pic>
         <p:nvPicPr>
-          <p:cNvPr id="6" name="图片 5">
-            <a:extLst>
-              <a:ext uri="{FF2B5EF4-FFF2-40B4-BE49-F238E27FC236}">
-                <a16:creationId xmlns:a16="http://schemas.microsoft.com/office/drawing/2014/main" id="{4D01893B-A24C-491B-B706-8550D66434A8}"/>
+          <p:cNvPr id="2" name="图片 1">
+            <a:extLst>
+              <a:ext uri="{FF2B5EF4-FFF2-40B4-BE49-F238E27FC236}">
+                <a16:creationId xmlns:a16="http://schemas.microsoft.com/office/drawing/2014/main" id="{009C73E5-4E34-4EAB-A3A5-AE8D34B124F7}"/>
               </a:ext>
             </a:extLst>
           </p:cNvPr>
@@ -4851,16 +4804,15 @@
           </p:cNvPicPr>
           <p:nvPr/>
         </p:nvPicPr>
-        <p:blipFill>
+        <p:blipFill rotWithShape="1">
           <a:blip r:embed="rId2"/>
-          <a:stretch>
-            <a:fillRect/>
-          </a:stretch>
+          <a:srcRect l="2262" t="11915" r="2195" b="2223"/>
+          <a:stretch/>
         </p:blipFill>
         <p:spPr>
           <a:xfrm>
-            <a:off x="605916" y="1295428"/>
-            <a:ext cx="10980167" cy="4836923"/>
+            <a:off x="425196" y="0"/>
+            <a:ext cx="10985754" cy="6903160"/>
           </a:xfrm>
           <a:prstGeom prst="rect">
             <a:avLst/>
@@ -4870,7 +4822,7 @@
     </p:spTree>
     <p:extLst>
       <p:ext uri="{BB962C8B-B14F-4D97-AF65-F5344CB8AC3E}">
-        <p14:creationId xmlns:p14="http://schemas.microsoft.com/office/powerpoint/2010/main" val="2512045943"/>
+        <p14:creationId xmlns:p14="http://schemas.microsoft.com/office/powerpoint/2010/main" val="4265021552"/>
       </p:ext>
     </p:extLst>
   </p:cSld>
@@ -4902,18 +4854,18 @@
       </p:grpSpPr>
       <p:sp>
         <p:nvSpPr>
-          <p:cNvPr id="2" name="标题 1">
-            <a:extLst>
-              <a:ext uri="{FF2B5EF4-FFF2-40B4-BE49-F238E27FC236}">
-                <a16:creationId xmlns:a16="http://schemas.microsoft.com/office/drawing/2014/main" id="{2967BFD7-50C3-4F79-977C-2389F33F36CF}"/>
-              </a:ext>
-            </a:extLst>
-          </p:cNvPr>
-          <p:cNvSpPr>
-            <a:spLocks noGrp="1"/>
-          </p:cNvSpPr>
-          <p:nvPr>
-            <p:ph type="title"/>
+          <p:cNvPr id="3" name="日期占位符 2">
+            <a:extLst>
+              <a:ext uri="{FF2B5EF4-FFF2-40B4-BE49-F238E27FC236}">
+                <a16:creationId xmlns:a16="http://schemas.microsoft.com/office/drawing/2014/main" id="{764C7325-BF57-4B02-8D6B-AA4C93AE28A9}"/>
+              </a:ext>
+            </a:extLst>
+          </p:cNvPr>
+          <p:cNvSpPr>
+            <a:spLocks noGrp="1"/>
+          </p:cNvSpPr>
+          <p:nvPr>
+            <p:ph type="dt" sz="half" idx="10"/>
           </p:nvPr>
         </p:nvSpPr>
         <p:spPr/>
@@ -4921,38 +4873,9 @@
           <a:bodyPr/>
           <a:lstStyle/>
           <a:p>
-            <a:r>
-              <a:rPr lang="en-US" altLang="zh-CN" dirty="0"/>
-              <a:t>CNN</a:t>
-            </a:r>
-            <a:endParaRPr lang="zh-CN" altLang="en-US" dirty="0"/>
-          </a:p>
-        </p:txBody>
-      </p:sp>
-      <p:sp>
-        <p:nvSpPr>
-          <p:cNvPr id="3" name="日期占位符 2">
-            <a:extLst>
-              <a:ext uri="{FF2B5EF4-FFF2-40B4-BE49-F238E27FC236}">
-                <a16:creationId xmlns:a16="http://schemas.microsoft.com/office/drawing/2014/main" id="{4E93B7A0-AF75-4A72-89C4-DAD541291B0B}"/>
-              </a:ext>
-            </a:extLst>
-          </p:cNvPr>
-          <p:cNvSpPr>
-            <a:spLocks noGrp="1"/>
-          </p:cNvSpPr>
-          <p:nvPr>
-            <p:ph type="dt" sz="half" idx="10"/>
-          </p:nvPr>
-        </p:nvSpPr>
-        <p:spPr/>
-        <p:txBody>
-          <a:bodyPr/>
-          <a:lstStyle/>
-          <a:p>
-            <a:fld id="{BBE60FB2-9A55-4864-A278-C1EFB3DE4448}" type="datetime1">
+            <a:fld id="{CA7BA1A3-2974-40AA-98AE-FB4AAFCEC7C8}" type="datetime1">
               <a:rPr lang="zh-CN" altLang="en-US" smtClean="0"/>
-              <a:t>2019/11/23</a:t>
+              <a:t>2019/11/26</a:t>
             </a:fld>
             <a:endParaRPr lang="en-US" dirty="0"/>
           </a:p>
@@ -4963,7 +4886,7 @@
           <p:cNvPr id="4" name="页脚占位符 3">
             <a:extLst>
               <a:ext uri="{FF2B5EF4-FFF2-40B4-BE49-F238E27FC236}">
-                <a16:creationId xmlns:a16="http://schemas.microsoft.com/office/drawing/2014/main" id="{C3DB7906-DB2D-47FA-BBCB-8B837397B888}"/>
+                <a16:creationId xmlns:a16="http://schemas.microsoft.com/office/drawing/2014/main" id="{EFDFF5F5-0801-41CE-BE1C-4E6B8FBF4784}"/>
               </a:ext>
             </a:extLst>
           </p:cNvPr>
@@ -4992,7 +4915,7 @@
           <p:cNvPr id="5" name="灯片编号占位符 4">
             <a:extLst>
               <a:ext uri="{FF2B5EF4-FFF2-40B4-BE49-F238E27FC236}">
-                <a16:creationId xmlns:a16="http://schemas.microsoft.com/office/drawing/2014/main" id="{0E970B73-B30A-4CDE-9497-591FEB92F0E9}"/>
+                <a16:creationId xmlns:a16="http://schemas.microsoft.com/office/drawing/2014/main" id="{A6E111C5-4119-4075-835F-B63351020482}"/>
               </a:ext>
             </a:extLst>
           </p:cNvPr>
@@ -5017,12 +4940,37 @@
           </a:p>
         </p:txBody>
       </p:sp>
+      <p:sp>
+        <p:nvSpPr>
+          <p:cNvPr id="7" name="文本占位符 6">
+            <a:extLst>
+              <a:ext uri="{FF2B5EF4-FFF2-40B4-BE49-F238E27FC236}">
+                <a16:creationId xmlns:a16="http://schemas.microsoft.com/office/drawing/2014/main" id="{CAAAEABF-211A-4C9D-B270-509D20E2AB82}"/>
+              </a:ext>
+            </a:extLst>
+          </p:cNvPr>
+          <p:cNvSpPr>
+            <a:spLocks noGrp="1"/>
+          </p:cNvSpPr>
+          <p:nvPr>
+            <p:ph type="body" sz="quarter" idx="14"/>
+          </p:nvPr>
+        </p:nvSpPr>
+        <p:spPr/>
+        <p:txBody>
+          <a:bodyPr/>
+          <a:lstStyle/>
+          <a:p>
+            <a:endParaRPr lang="zh-CN" altLang="en-US"/>
+          </a:p>
+        </p:txBody>
+      </p:sp>
       <p:pic>
         <p:nvPicPr>
           <p:cNvPr id="6" name="图片 5">
             <a:extLst>
               <a:ext uri="{FF2B5EF4-FFF2-40B4-BE49-F238E27FC236}">
-                <a16:creationId xmlns:a16="http://schemas.microsoft.com/office/drawing/2014/main" id="{4D01893B-A24C-491B-B706-8550D66434A8}"/>
+                <a16:creationId xmlns:a16="http://schemas.microsoft.com/office/drawing/2014/main" id="{9BEF59C4-9D29-4A5D-9A75-62A4FF40D2EE}"/>
               </a:ext>
             </a:extLst>
           </p:cNvPr>
@@ -5031,16 +4979,15 @@
           </p:cNvPicPr>
           <p:nvPr/>
         </p:nvPicPr>
-        <p:blipFill>
+        <p:blipFill rotWithShape="1">
           <a:blip r:embed="rId2"/>
-          <a:stretch>
-            <a:fillRect/>
-          </a:stretch>
+          <a:srcRect l="2062" t="12293" r="2129" b="2505"/>
+          <a:stretch/>
         </p:blipFill>
         <p:spPr>
           <a:xfrm>
-            <a:off x="605916" y="1295428"/>
-            <a:ext cx="10980167" cy="4836923"/>
+            <a:off x="381824" y="0"/>
+            <a:ext cx="11029126" cy="6858000"/>
           </a:xfrm>
           <a:prstGeom prst="rect">
             <a:avLst/>
@@ -5050,7 +4997,7 @@
     </p:spTree>
     <p:extLst>
       <p:ext uri="{BB962C8B-B14F-4D97-AF65-F5344CB8AC3E}">
-        <p14:creationId xmlns:p14="http://schemas.microsoft.com/office/powerpoint/2010/main" val="2126608786"/>
+        <p14:creationId xmlns:p14="http://schemas.microsoft.com/office/powerpoint/2010/main" val="708045167"/>
       </p:ext>
     </p:extLst>
   </p:cSld>
@@ -5082,18 +5029,18 @@
       </p:grpSpPr>
       <p:sp>
         <p:nvSpPr>
-          <p:cNvPr id="2" name="标题 1">
-            <a:extLst>
-              <a:ext uri="{FF2B5EF4-FFF2-40B4-BE49-F238E27FC236}">
-                <a16:creationId xmlns:a16="http://schemas.microsoft.com/office/drawing/2014/main" id="{2967BFD7-50C3-4F79-977C-2389F33F36CF}"/>
-              </a:ext>
-            </a:extLst>
-          </p:cNvPr>
-          <p:cNvSpPr>
-            <a:spLocks noGrp="1"/>
-          </p:cNvSpPr>
-          <p:nvPr>
-            <p:ph type="title"/>
+          <p:cNvPr id="3" name="日期占位符 2">
+            <a:extLst>
+              <a:ext uri="{FF2B5EF4-FFF2-40B4-BE49-F238E27FC236}">
+                <a16:creationId xmlns:a16="http://schemas.microsoft.com/office/drawing/2014/main" id="{764C7325-BF57-4B02-8D6B-AA4C93AE28A9}"/>
+              </a:ext>
+            </a:extLst>
+          </p:cNvPr>
+          <p:cNvSpPr>
+            <a:spLocks noGrp="1"/>
+          </p:cNvSpPr>
+          <p:nvPr>
+            <p:ph type="dt" sz="half" idx="10"/>
           </p:nvPr>
         </p:nvSpPr>
         <p:spPr/>
@@ -5101,38 +5048,9 @@
           <a:bodyPr/>
           <a:lstStyle/>
           <a:p>
-            <a:r>
-              <a:rPr lang="en-US" altLang="zh-CN" dirty="0"/>
-              <a:t>Emphasize Model</a:t>
-            </a:r>
-            <a:endParaRPr lang="zh-CN" altLang="en-US" dirty="0"/>
-          </a:p>
-        </p:txBody>
-      </p:sp>
-      <p:sp>
-        <p:nvSpPr>
-          <p:cNvPr id="3" name="日期占位符 2">
-            <a:extLst>
-              <a:ext uri="{FF2B5EF4-FFF2-40B4-BE49-F238E27FC236}">
-                <a16:creationId xmlns:a16="http://schemas.microsoft.com/office/drawing/2014/main" id="{4E93B7A0-AF75-4A72-89C4-DAD541291B0B}"/>
-              </a:ext>
-            </a:extLst>
-          </p:cNvPr>
-          <p:cNvSpPr>
-            <a:spLocks noGrp="1"/>
-          </p:cNvSpPr>
-          <p:nvPr>
-            <p:ph type="dt" sz="half" idx="10"/>
-          </p:nvPr>
-        </p:nvSpPr>
-        <p:spPr/>
-        <p:txBody>
-          <a:bodyPr/>
-          <a:lstStyle/>
-          <a:p>
-            <a:fld id="{BBE60FB2-9A55-4864-A278-C1EFB3DE4448}" type="datetime1">
+            <a:fld id="{CA7BA1A3-2974-40AA-98AE-FB4AAFCEC7C8}" type="datetime1">
               <a:rPr lang="zh-CN" altLang="en-US" smtClean="0"/>
-              <a:t>2019/11/23</a:t>
+              <a:t>2019/11/26</a:t>
             </a:fld>
             <a:endParaRPr lang="en-US" dirty="0"/>
           </a:p>
@@ -5143,7 +5061,7 @@
           <p:cNvPr id="4" name="页脚占位符 3">
             <a:extLst>
               <a:ext uri="{FF2B5EF4-FFF2-40B4-BE49-F238E27FC236}">
-                <a16:creationId xmlns:a16="http://schemas.microsoft.com/office/drawing/2014/main" id="{C3DB7906-DB2D-47FA-BBCB-8B837397B888}"/>
+                <a16:creationId xmlns:a16="http://schemas.microsoft.com/office/drawing/2014/main" id="{EFDFF5F5-0801-41CE-BE1C-4E6B8FBF4784}"/>
               </a:ext>
             </a:extLst>
           </p:cNvPr>
@@ -5172,7 +5090,7 @@
           <p:cNvPr id="5" name="灯片编号占位符 4">
             <a:extLst>
               <a:ext uri="{FF2B5EF4-FFF2-40B4-BE49-F238E27FC236}">
-                <a16:creationId xmlns:a16="http://schemas.microsoft.com/office/drawing/2014/main" id="{0E970B73-B30A-4CDE-9497-591FEB92F0E9}"/>
+                <a16:creationId xmlns:a16="http://schemas.microsoft.com/office/drawing/2014/main" id="{A6E111C5-4119-4075-835F-B63351020482}"/>
               </a:ext>
             </a:extLst>
           </p:cNvPr>
@@ -5197,10 +5115,64 @@
           </a:p>
         </p:txBody>
       </p:sp>
+      <p:sp>
+        <p:nvSpPr>
+          <p:cNvPr id="7" name="文本占位符 6">
+            <a:extLst>
+              <a:ext uri="{FF2B5EF4-FFF2-40B4-BE49-F238E27FC236}">
+                <a16:creationId xmlns:a16="http://schemas.microsoft.com/office/drawing/2014/main" id="{CAAAEABF-211A-4C9D-B270-509D20E2AB82}"/>
+              </a:ext>
+            </a:extLst>
+          </p:cNvPr>
+          <p:cNvSpPr>
+            <a:spLocks noGrp="1"/>
+          </p:cNvSpPr>
+          <p:nvPr>
+            <p:ph type="body" sz="quarter" idx="14"/>
+          </p:nvPr>
+        </p:nvSpPr>
+        <p:spPr/>
+        <p:txBody>
+          <a:bodyPr/>
+          <a:lstStyle/>
+          <a:p>
+            <a:endParaRPr lang="zh-CN" altLang="en-US"/>
+          </a:p>
+        </p:txBody>
+      </p:sp>
+      <p:pic>
+        <p:nvPicPr>
+          <p:cNvPr id="6" name="图片 5">
+            <a:extLst>
+              <a:ext uri="{FF2B5EF4-FFF2-40B4-BE49-F238E27FC236}">
+                <a16:creationId xmlns:a16="http://schemas.microsoft.com/office/drawing/2014/main" id="{CB25D8A9-0EAD-4422-B2DE-0355BA15166A}"/>
+              </a:ext>
+            </a:extLst>
+          </p:cNvPr>
+          <p:cNvPicPr>
+            <a:picLocks noChangeAspect="1"/>
+          </p:cNvPicPr>
+          <p:nvPr/>
+        </p:nvPicPr>
+        <p:blipFill rotWithShape="1">
+          <a:blip r:embed="rId2"/>
+          <a:srcRect l="1865" t="12671" r="1997" b="2600"/>
+          <a:stretch/>
+        </p:blipFill>
+        <p:spPr>
+          <a:xfrm>
+            <a:off x="466927" y="-45397"/>
+            <a:ext cx="11185577" cy="6892901"/>
+          </a:xfrm>
+          <a:prstGeom prst="rect">
+            <a:avLst/>
+          </a:prstGeom>
+        </p:spPr>
+      </p:pic>
     </p:spTree>
     <p:extLst>
       <p:ext uri="{BB962C8B-B14F-4D97-AF65-F5344CB8AC3E}">
-        <p14:creationId xmlns:p14="http://schemas.microsoft.com/office/powerpoint/2010/main" val="338221241"/>
+        <p14:creationId xmlns:p14="http://schemas.microsoft.com/office/powerpoint/2010/main" val="1373336178"/>
       </p:ext>
     </p:extLst>
   </p:cSld>
@@ -5232,18 +5204,18 @@
       </p:grpSpPr>
       <p:sp>
         <p:nvSpPr>
-          <p:cNvPr id="2" name="标题 1">
-            <a:extLst>
-              <a:ext uri="{FF2B5EF4-FFF2-40B4-BE49-F238E27FC236}">
-                <a16:creationId xmlns:a16="http://schemas.microsoft.com/office/drawing/2014/main" id="{2967BFD7-50C3-4F79-977C-2389F33F36CF}"/>
-              </a:ext>
-            </a:extLst>
-          </p:cNvPr>
-          <p:cNvSpPr>
-            <a:spLocks noGrp="1"/>
-          </p:cNvSpPr>
-          <p:nvPr>
-            <p:ph type="title"/>
+          <p:cNvPr id="3" name="日期占位符 2">
+            <a:extLst>
+              <a:ext uri="{FF2B5EF4-FFF2-40B4-BE49-F238E27FC236}">
+                <a16:creationId xmlns:a16="http://schemas.microsoft.com/office/drawing/2014/main" id="{764C7325-BF57-4B02-8D6B-AA4C93AE28A9}"/>
+              </a:ext>
+            </a:extLst>
+          </p:cNvPr>
+          <p:cNvSpPr>
+            <a:spLocks noGrp="1"/>
+          </p:cNvSpPr>
+          <p:nvPr>
+            <p:ph type="dt" sz="half" idx="10"/>
           </p:nvPr>
         </p:nvSpPr>
         <p:spPr/>
@@ -5251,38 +5223,9 @@
           <a:bodyPr/>
           <a:lstStyle/>
           <a:p>
-            <a:r>
-              <a:rPr lang="en-US" altLang="zh-CN" dirty="0"/>
-              <a:t>CNN</a:t>
-            </a:r>
-            <a:endParaRPr lang="zh-CN" altLang="en-US" dirty="0"/>
-          </a:p>
-        </p:txBody>
-      </p:sp>
-      <p:sp>
-        <p:nvSpPr>
-          <p:cNvPr id="3" name="日期占位符 2">
-            <a:extLst>
-              <a:ext uri="{FF2B5EF4-FFF2-40B4-BE49-F238E27FC236}">
-                <a16:creationId xmlns:a16="http://schemas.microsoft.com/office/drawing/2014/main" id="{4E93B7A0-AF75-4A72-89C4-DAD541291B0B}"/>
-              </a:ext>
-            </a:extLst>
-          </p:cNvPr>
-          <p:cNvSpPr>
-            <a:spLocks noGrp="1"/>
-          </p:cNvSpPr>
-          <p:nvPr>
-            <p:ph type="dt" sz="half" idx="10"/>
-          </p:nvPr>
-        </p:nvSpPr>
-        <p:spPr/>
-        <p:txBody>
-          <a:bodyPr/>
-          <a:lstStyle/>
-          <a:p>
-            <a:fld id="{BBE60FB2-9A55-4864-A278-C1EFB3DE4448}" type="datetime1">
+            <a:fld id="{CA7BA1A3-2974-40AA-98AE-FB4AAFCEC7C8}" type="datetime1">
               <a:rPr lang="zh-CN" altLang="en-US" smtClean="0"/>
-              <a:t>2019/11/23</a:t>
+              <a:t>2019/11/26</a:t>
             </a:fld>
             <a:endParaRPr lang="en-US" dirty="0"/>
           </a:p>
@@ -5293,7 +5236,7 @@
           <p:cNvPr id="4" name="页脚占位符 3">
             <a:extLst>
               <a:ext uri="{FF2B5EF4-FFF2-40B4-BE49-F238E27FC236}">
-                <a16:creationId xmlns:a16="http://schemas.microsoft.com/office/drawing/2014/main" id="{C3DB7906-DB2D-47FA-BBCB-8B837397B888}"/>
+                <a16:creationId xmlns:a16="http://schemas.microsoft.com/office/drawing/2014/main" id="{EFDFF5F5-0801-41CE-BE1C-4E6B8FBF4784}"/>
               </a:ext>
             </a:extLst>
           </p:cNvPr>
@@ -5322,7 +5265,7 @@
           <p:cNvPr id="5" name="灯片编号占位符 4">
             <a:extLst>
               <a:ext uri="{FF2B5EF4-FFF2-40B4-BE49-F238E27FC236}">
-                <a16:creationId xmlns:a16="http://schemas.microsoft.com/office/drawing/2014/main" id="{0E970B73-B30A-4CDE-9497-591FEB92F0E9}"/>
+                <a16:creationId xmlns:a16="http://schemas.microsoft.com/office/drawing/2014/main" id="{A6E111C5-4119-4075-835F-B63351020482}"/>
               </a:ext>
             </a:extLst>
           </p:cNvPr>
@@ -5347,12 +5290,37 @@
           </a:p>
         </p:txBody>
       </p:sp>
+      <p:sp>
+        <p:nvSpPr>
+          <p:cNvPr id="7" name="文本占位符 6">
+            <a:extLst>
+              <a:ext uri="{FF2B5EF4-FFF2-40B4-BE49-F238E27FC236}">
+                <a16:creationId xmlns:a16="http://schemas.microsoft.com/office/drawing/2014/main" id="{CAAAEABF-211A-4C9D-B270-509D20E2AB82}"/>
+              </a:ext>
+            </a:extLst>
+          </p:cNvPr>
+          <p:cNvSpPr>
+            <a:spLocks noGrp="1"/>
+          </p:cNvSpPr>
+          <p:nvPr>
+            <p:ph type="body" sz="quarter" idx="14"/>
+          </p:nvPr>
+        </p:nvSpPr>
+        <p:spPr/>
+        <p:txBody>
+          <a:bodyPr/>
+          <a:lstStyle/>
+          <a:p>
+            <a:endParaRPr lang="zh-CN" altLang="en-US"/>
+          </a:p>
+        </p:txBody>
+      </p:sp>
       <p:pic>
         <p:nvPicPr>
-          <p:cNvPr id="10" name="图片 9">
-            <a:extLst>
-              <a:ext uri="{FF2B5EF4-FFF2-40B4-BE49-F238E27FC236}">
-                <a16:creationId xmlns:a16="http://schemas.microsoft.com/office/drawing/2014/main" id="{3EA4388C-E4E0-4587-819C-42A886D3F3A0}"/>
+          <p:cNvPr id="6" name="图片 5">
+            <a:extLst>
+              <a:ext uri="{FF2B5EF4-FFF2-40B4-BE49-F238E27FC236}">
+                <a16:creationId xmlns:a16="http://schemas.microsoft.com/office/drawing/2014/main" id="{827FEC0D-2834-4435-AF8D-C1E482F9ECFF}"/>
               </a:ext>
             </a:extLst>
           </p:cNvPr>
@@ -5361,62 +5329,25 @@
           </p:cNvPicPr>
           <p:nvPr/>
         </p:nvPicPr>
-        <p:blipFill>
+        <p:blipFill rotWithShape="1">
           <a:blip r:embed="rId2"/>
-          <a:stretch>
-            <a:fillRect/>
-          </a:stretch>
+          <a:srcRect l="1997" t="12199" r="1997" b="2884"/>
+          <a:stretch/>
         </p:blipFill>
         <p:spPr>
           <a:xfrm>
-            <a:off x="1888557" y="1356153"/>
-            <a:ext cx="8887503" cy="4579785"/>
+            <a:off x="440986" y="2498"/>
+            <a:ext cx="11084841" cy="6855501"/>
           </a:xfrm>
           <a:prstGeom prst="rect">
             <a:avLst/>
           </a:prstGeom>
         </p:spPr>
       </p:pic>
-      <p:sp>
-        <p:nvSpPr>
-          <p:cNvPr id="6" name="文本框 5">
-            <a:extLst>
-              <a:ext uri="{FF2B5EF4-FFF2-40B4-BE49-F238E27FC236}">
-                <a16:creationId xmlns:a16="http://schemas.microsoft.com/office/drawing/2014/main" id="{76C30072-EB42-4A09-8A9E-1FC6116362E9}"/>
-              </a:ext>
-            </a:extLst>
-          </p:cNvPr>
-          <p:cNvSpPr txBox="1"/>
-          <p:nvPr/>
-        </p:nvSpPr>
-        <p:spPr>
-          <a:xfrm>
-            <a:off x="620785" y="1853967"/>
-            <a:ext cx="1172116" cy="369332"/>
-          </a:xfrm>
-          <a:prstGeom prst="rect">
-            <a:avLst/>
-          </a:prstGeom>
-          <a:noFill/>
-        </p:spPr>
-        <p:txBody>
-          <a:bodyPr wrap="none" rtlCol="0">
-            <a:spAutoFit/>
-          </a:bodyPr>
-          <a:lstStyle/>
-          <a:p>
-            <a:r>
-              <a:rPr lang="en-US" altLang="zh-CN" dirty="0"/>
-              <a:t>54 device</a:t>
-            </a:r>
-            <a:endParaRPr lang="zh-CN" altLang="en-US" dirty="0"/>
-          </a:p>
-        </p:txBody>
-      </p:sp>
     </p:spTree>
     <p:extLst>
       <p:ext uri="{BB962C8B-B14F-4D97-AF65-F5344CB8AC3E}">
-        <p14:creationId xmlns:p14="http://schemas.microsoft.com/office/powerpoint/2010/main" val="2707463326"/>
+        <p14:creationId xmlns:p14="http://schemas.microsoft.com/office/powerpoint/2010/main" val="3232566540"/>
       </p:ext>
     </p:extLst>
   </p:cSld>
@@ -5448,18 +5379,18 @@
       </p:grpSpPr>
       <p:sp>
         <p:nvSpPr>
-          <p:cNvPr id="2" name="标题 1">
-            <a:extLst>
-              <a:ext uri="{FF2B5EF4-FFF2-40B4-BE49-F238E27FC236}">
-                <a16:creationId xmlns:a16="http://schemas.microsoft.com/office/drawing/2014/main" id="{4D7B6EBA-5206-47AF-8153-FD1019579D18}"/>
-              </a:ext>
-            </a:extLst>
-          </p:cNvPr>
-          <p:cNvSpPr>
-            <a:spLocks noGrp="1"/>
-          </p:cNvSpPr>
-          <p:nvPr>
-            <p:ph type="title"/>
+          <p:cNvPr id="3" name="日期占位符 2">
+            <a:extLst>
+              <a:ext uri="{FF2B5EF4-FFF2-40B4-BE49-F238E27FC236}">
+                <a16:creationId xmlns:a16="http://schemas.microsoft.com/office/drawing/2014/main" id="{764C7325-BF57-4B02-8D6B-AA4C93AE28A9}"/>
+              </a:ext>
+            </a:extLst>
+          </p:cNvPr>
+          <p:cNvSpPr>
+            <a:spLocks noGrp="1"/>
+          </p:cNvSpPr>
+          <p:nvPr>
+            <p:ph type="dt" sz="half" idx="10"/>
           </p:nvPr>
         </p:nvSpPr>
         <p:spPr/>
@@ -5467,38 +5398,9 @@
           <a:bodyPr/>
           <a:lstStyle/>
           <a:p>
-            <a:r>
-              <a:rPr lang="en-US" altLang="zh-CN" dirty="0"/>
-              <a:t>Denoise</a:t>
-            </a:r>
-            <a:endParaRPr lang="zh-CN" altLang="en-US" dirty="0"/>
-          </a:p>
-        </p:txBody>
-      </p:sp>
-      <p:sp>
-        <p:nvSpPr>
-          <p:cNvPr id="3" name="日期占位符 2">
-            <a:extLst>
-              <a:ext uri="{FF2B5EF4-FFF2-40B4-BE49-F238E27FC236}">
-                <a16:creationId xmlns:a16="http://schemas.microsoft.com/office/drawing/2014/main" id="{75CD30B6-4844-4E62-B7CB-387654067BBA}"/>
-              </a:ext>
-            </a:extLst>
-          </p:cNvPr>
-          <p:cNvSpPr>
-            <a:spLocks noGrp="1"/>
-          </p:cNvSpPr>
-          <p:nvPr>
-            <p:ph type="dt" sz="half" idx="10"/>
-          </p:nvPr>
-        </p:nvSpPr>
-        <p:spPr/>
-        <p:txBody>
-          <a:bodyPr/>
-          <a:lstStyle/>
-          <a:p>
-            <a:fld id="{BBE60FB2-9A55-4864-A278-C1EFB3DE4448}" type="datetime1">
+            <a:fld id="{CA7BA1A3-2974-40AA-98AE-FB4AAFCEC7C8}" type="datetime1">
               <a:rPr lang="zh-CN" altLang="en-US" smtClean="0"/>
-              <a:t>2019/11/23</a:t>
+              <a:t>2019/11/26</a:t>
             </a:fld>
             <a:endParaRPr lang="en-US" dirty="0"/>
           </a:p>
@@ -5509,7 +5411,7 @@
           <p:cNvPr id="4" name="页脚占位符 3">
             <a:extLst>
               <a:ext uri="{FF2B5EF4-FFF2-40B4-BE49-F238E27FC236}">
-                <a16:creationId xmlns:a16="http://schemas.microsoft.com/office/drawing/2014/main" id="{F311FE7F-D9A2-4F8C-9D79-ED93B03FCD65}"/>
+                <a16:creationId xmlns:a16="http://schemas.microsoft.com/office/drawing/2014/main" id="{EFDFF5F5-0801-41CE-BE1C-4E6B8FBF4784}"/>
               </a:ext>
             </a:extLst>
           </p:cNvPr>
@@ -5538,7 +5440,7 @@
           <p:cNvPr id="5" name="灯片编号占位符 4">
             <a:extLst>
               <a:ext uri="{FF2B5EF4-FFF2-40B4-BE49-F238E27FC236}">
-                <a16:creationId xmlns:a16="http://schemas.microsoft.com/office/drawing/2014/main" id="{0C553E2B-F142-462D-A12A-153A84190F8D}"/>
+                <a16:creationId xmlns:a16="http://schemas.microsoft.com/office/drawing/2014/main" id="{A6E111C5-4119-4075-835F-B63351020482}"/>
               </a:ext>
             </a:extLst>
           </p:cNvPr>
@@ -5565,18 +5467,18 @@
       </p:sp>
       <p:sp>
         <p:nvSpPr>
-          <p:cNvPr id="6" name="文本占位符 5">
-            <a:extLst>
-              <a:ext uri="{FF2B5EF4-FFF2-40B4-BE49-F238E27FC236}">
-                <a16:creationId xmlns:a16="http://schemas.microsoft.com/office/drawing/2014/main" id="{9BE67F0D-90C0-48FF-AB6F-2B5F971E1BE6}"/>
-              </a:ext>
-            </a:extLst>
-          </p:cNvPr>
-          <p:cNvSpPr>
-            <a:spLocks noGrp="1"/>
-          </p:cNvSpPr>
-          <p:nvPr>
-            <p:ph type="body" sz="quarter" idx="13"/>
+          <p:cNvPr id="7" name="文本占位符 6">
+            <a:extLst>
+              <a:ext uri="{FF2B5EF4-FFF2-40B4-BE49-F238E27FC236}">
+                <a16:creationId xmlns:a16="http://schemas.microsoft.com/office/drawing/2014/main" id="{CAAAEABF-211A-4C9D-B270-509D20E2AB82}"/>
+              </a:ext>
+            </a:extLst>
+          </p:cNvPr>
+          <p:cNvSpPr>
+            <a:spLocks noGrp="1"/>
+          </p:cNvSpPr>
+          <p:nvPr>
+            <p:ph type="body" sz="quarter" idx="14"/>
           </p:nvPr>
         </p:nvSpPr>
         <p:spPr/>
@@ -5590,10 +5492,10 @@
       </p:sp>
       <p:pic>
         <p:nvPicPr>
-          <p:cNvPr id="7" name="图片 6">
-            <a:extLst>
-              <a:ext uri="{FF2B5EF4-FFF2-40B4-BE49-F238E27FC236}">
-                <a16:creationId xmlns:a16="http://schemas.microsoft.com/office/drawing/2014/main" id="{0FCE3026-B688-4FBA-96A8-0B95016F8374}"/>
+          <p:cNvPr id="2" name="图片 1">
+            <a:extLst>
+              <a:ext uri="{FF2B5EF4-FFF2-40B4-BE49-F238E27FC236}">
+                <a16:creationId xmlns:a16="http://schemas.microsoft.com/office/drawing/2014/main" id="{50647CBA-A1CB-421E-BB81-B5D529793FFC}"/>
               </a:ext>
             </a:extLst>
           </p:cNvPr>
@@ -5602,16 +5504,15 @@
           </p:cNvPicPr>
           <p:nvPr/>
         </p:nvPicPr>
-        <p:blipFill>
+        <p:blipFill rotWithShape="1">
           <a:blip r:embed="rId2"/>
-          <a:stretch>
-            <a:fillRect/>
-          </a:stretch>
+          <a:srcRect l="2393" t="12104" r="2130" b="2601"/>
+          <a:stretch/>
         </p:blipFill>
         <p:spPr>
           <a:xfrm>
-            <a:off x="3816096" y="1267376"/>
-            <a:ext cx="5036219" cy="5167370"/>
+            <a:off x="539496" y="-1"/>
+            <a:ext cx="10985754" cy="6862291"/>
           </a:xfrm>
           <a:prstGeom prst="rect">
             <a:avLst/>
@@ -5621,7 +5522,7 @@
     </p:spTree>
     <p:extLst>
       <p:ext uri="{BB962C8B-B14F-4D97-AF65-F5344CB8AC3E}">
-        <p14:creationId xmlns:p14="http://schemas.microsoft.com/office/powerpoint/2010/main" val="2665638316"/>
+        <p14:creationId xmlns:p14="http://schemas.microsoft.com/office/powerpoint/2010/main" val="1479386696"/>
       </p:ext>
     </p:extLst>
   </p:cSld>
@@ -5653,18 +5554,18 @@
       </p:grpSpPr>
       <p:sp>
         <p:nvSpPr>
-          <p:cNvPr id="2" name="标题 1">
-            <a:extLst>
-              <a:ext uri="{FF2B5EF4-FFF2-40B4-BE49-F238E27FC236}">
-                <a16:creationId xmlns:a16="http://schemas.microsoft.com/office/drawing/2014/main" id="{44E012EC-1B18-40B4-B8D6-91F9A19A84F0}"/>
-              </a:ext>
-            </a:extLst>
-          </p:cNvPr>
-          <p:cNvSpPr>
-            <a:spLocks noGrp="1"/>
-          </p:cNvSpPr>
-          <p:nvPr>
-            <p:ph type="title"/>
+          <p:cNvPr id="3" name="日期占位符 2">
+            <a:extLst>
+              <a:ext uri="{FF2B5EF4-FFF2-40B4-BE49-F238E27FC236}">
+                <a16:creationId xmlns:a16="http://schemas.microsoft.com/office/drawing/2014/main" id="{764C7325-BF57-4B02-8D6B-AA4C93AE28A9}"/>
+              </a:ext>
+            </a:extLst>
+          </p:cNvPr>
+          <p:cNvSpPr>
+            <a:spLocks noGrp="1"/>
+          </p:cNvSpPr>
+          <p:nvPr>
+            <p:ph type="dt" sz="half" idx="10"/>
           </p:nvPr>
         </p:nvSpPr>
         <p:spPr/>
@@ -5672,38 +5573,9 @@
           <a:bodyPr/>
           <a:lstStyle/>
           <a:p>
-            <a:r>
-              <a:rPr lang="en-US" altLang="zh-CN" dirty="0"/>
-              <a:t>CADE</a:t>
-            </a:r>
-            <a:endParaRPr lang="zh-CN" altLang="en-US" dirty="0"/>
-          </a:p>
-        </p:txBody>
-      </p:sp>
-      <p:sp>
-        <p:nvSpPr>
-          <p:cNvPr id="3" name="日期占位符 2">
-            <a:extLst>
-              <a:ext uri="{FF2B5EF4-FFF2-40B4-BE49-F238E27FC236}">
-                <a16:creationId xmlns:a16="http://schemas.microsoft.com/office/drawing/2014/main" id="{D3678397-12BE-46D0-AF0C-E1106C6F7095}"/>
-              </a:ext>
-            </a:extLst>
-          </p:cNvPr>
-          <p:cNvSpPr>
-            <a:spLocks noGrp="1"/>
-          </p:cNvSpPr>
-          <p:nvPr>
-            <p:ph type="dt" sz="half" idx="10"/>
-          </p:nvPr>
-        </p:nvSpPr>
-        <p:spPr/>
-        <p:txBody>
-          <a:bodyPr/>
-          <a:lstStyle/>
-          <a:p>
-            <a:fld id="{BBE60FB2-9A55-4864-A278-C1EFB3DE4448}" type="datetime1">
+            <a:fld id="{CA7BA1A3-2974-40AA-98AE-FB4AAFCEC7C8}" type="datetime1">
               <a:rPr lang="zh-CN" altLang="en-US" smtClean="0"/>
-              <a:t>2019/11/23</a:t>
+              <a:t>2019/11/26</a:t>
             </a:fld>
             <a:endParaRPr lang="en-US" dirty="0"/>
           </a:p>
@@ -5714,7 +5586,7 @@
           <p:cNvPr id="4" name="页脚占位符 3">
             <a:extLst>
               <a:ext uri="{FF2B5EF4-FFF2-40B4-BE49-F238E27FC236}">
-                <a16:creationId xmlns:a16="http://schemas.microsoft.com/office/drawing/2014/main" id="{BABC0173-BA18-436D-A3FA-36A74165BE2E}"/>
+                <a16:creationId xmlns:a16="http://schemas.microsoft.com/office/drawing/2014/main" id="{EFDFF5F5-0801-41CE-BE1C-4E6B8FBF4784}"/>
               </a:ext>
             </a:extLst>
           </p:cNvPr>
@@ -5743,7 +5615,7 @@
           <p:cNvPr id="5" name="灯片编号占位符 4">
             <a:extLst>
               <a:ext uri="{FF2B5EF4-FFF2-40B4-BE49-F238E27FC236}">
-                <a16:creationId xmlns:a16="http://schemas.microsoft.com/office/drawing/2014/main" id="{9A0A802C-91B8-4ACB-9571-95914489C880}"/>
+                <a16:creationId xmlns:a16="http://schemas.microsoft.com/office/drawing/2014/main" id="{A6E111C5-4119-4075-835F-B63351020482}"/>
               </a:ext>
             </a:extLst>
           </p:cNvPr>
@@ -5768,12 +5640,37 @@
           </a:p>
         </p:txBody>
       </p:sp>
+      <p:sp>
+        <p:nvSpPr>
+          <p:cNvPr id="7" name="文本占位符 6">
+            <a:extLst>
+              <a:ext uri="{FF2B5EF4-FFF2-40B4-BE49-F238E27FC236}">
+                <a16:creationId xmlns:a16="http://schemas.microsoft.com/office/drawing/2014/main" id="{CAAAEABF-211A-4C9D-B270-509D20E2AB82}"/>
+              </a:ext>
+            </a:extLst>
+          </p:cNvPr>
+          <p:cNvSpPr>
+            <a:spLocks noGrp="1"/>
+          </p:cNvSpPr>
+          <p:nvPr>
+            <p:ph type="body" sz="quarter" idx="14"/>
+          </p:nvPr>
+        </p:nvSpPr>
+        <p:spPr/>
+        <p:txBody>
+          <a:bodyPr/>
+          <a:lstStyle/>
+          <a:p>
+            <a:endParaRPr lang="zh-CN" altLang="en-US"/>
+          </a:p>
+        </p:txBody>
+      </p:sp>
       <p:pic>
         <p:nvPicPr>
-          <p:cNvPr id="7" name="图片 6">
-            <a:extLst>
-              <a:ext uri="{FF2B5EF4-FFF2-40B4-BE49-F238E27FC236}">
-                <a16:creationId xmlns:a16="http://schemas.microsoft.com/office/drawing/2014/main" id="{9EE09E5A-58C9-4EB2-9EDA-9A6FEDAB7EEC}"/>
+          <p:cNvPr id="2" name="图片 1">
+            <a:extLst>
+              <a:ext uri="{FF2B5EF4-FFF2-40B4-BE49-F238E27FC236}">
+                <a16:creationId xmlns:a16="http://schemas.microsoft.com/office/drawing/2014/main" id="{52638F8D-808D-44F1-835B-4A928C375052}"/>
               </a:ext>
             </a:extLst>
           </p:cNvPr>
@@ -5782,16 +5679,15 @@
           </p:cNvPicPr>
           <p:nvPr/>
         </p:nvPicPr>
-        <p:blipFill>
+        <p:blipFill rotWithShape="1">
           <a:blip r:embed="rId2"/>
-          <a:stretch>
-            <a:fillRect/>
-          </a:stretch>
+          <a:srcRect l="1799" t="12388" r="1666" b="2884"/>
+          <a:stretch/>
         </p:blipFill>
         <p:spPr>
           <a:xfrm>
-            <a:off x="761184" y="2106635"/>
-            <a:ext cx="11147735" cy="3347019"/>
+            <a:off x="545947" y="15468"/>
+            <a:ext cx="11149661" cy="6842531"/>
           </a:xfrm>
           <a:prstGeom prst="rect">
             <a:avLst/>
@@ -5801,7 +5697,7 @@
     </p:spTree>
     <p:extLst>
       <p:ext uri="{BB962C8B-B14F-4D97-AF65-F5344CB8AC3E}">
-        <p14:creationId xmlns:p14="http://schemas.microsoft.com/office/powerpoint/2010/main" val="1509980537"/>
+        <p14:creationId xmlns:p14="http://schemas.microsoft.com/office/powerpoint/2010/main" val="2460307493"/>
       </p:ext>
     </p:extLst>
   </p:cSld>
@@ -6248,7 +6144,7 @@
           <a:p>
             <a:fld id="{CA7BA1A3-2974-40AA-98AE-FB4AAFCEC7C8}" type="datetime1">
               <a:rPr lang="zh-CN" altLang="en-US" smtClean="0"/>
-              <a:t>2019/11/23</a:t>
+              <a:t>2019/11/26</a:t>
             </a:fld>
             <a:endParaRPr lang="en-US" dirty="0"/>
           </a:p>
@@ -6493,7 +6389,7 @@
           <a:p>
             <a:fld id="{CA7BA1A3-2974-40AA-98AE-FB4AAFCEC7C8}" type="datetime1">
               <a:rPr lang="zh-CN" altLang="en-US" smtClean="0"/>
-              <a:t>2019/11/23</a:t>
+              <a:t>2019/11/26</a:t>
             </a:fld>
             <a:endParaRPr lang="en-US" dirty="0"/>
           </a:p>
@@ -6684,7 +6580,7 @@
           <a:p>
             <a:fld id="{CA7BA1A3-2974-40AA-98AE-FB4AAFCEC7C8}" type="datetime1">
               <a:rPr lang="zh-CN" altLang="en-US" smtClean="0"/>
-              <a:t>2019/11/23</a:t>
+              <a:t>2019/11/26</a:t>
             </a:fld>
             <a:endParaRPr lang="en-US" dirty="0"/>
           </a:p>
@@ -6875,7 +6771,7 @@
           <a:p>
             <a:fld id="{CA7BA1A3-2974-40AA-98AE-FB4AAFCEC7C8}" type="datetime1">
               <a:rPr lang="zh-CN" altLang="en-US" smtClean="0"/>
-              <a:t>2019/11/23</a:t>
+              <a:t>2019/11/26</a:t>
             </a:fld>
             <a:endParaRPr lang="en-US" dirty="0"/>
           </a:p>
@@ -6990,12 +6886,20 @@
         </p:nvSpPr>
         <p:spPr>
           <a:xfrm>
-            <a:off x="7784983" y="4152550"/>
+            <a:off x="7869289" y="4126610"/>
             <a:ext cx="1140903" cy="520118"/>
           </a:xfrm>
           <a:prstGeom prst="rect">
             <a:avLst/>
           </a:prstGeom>
+          <a:solidFill>
+            <a:schemeClr val="bg1"/>
+          </a:solidFill>
+          <a:ln>
+            <a:solidFill>
+              <a:schemeClr val="bg1"/>
+            </a:solidFill>
+          </a:ln>
         </p:spPr>
         <p:style>
           <a:lnRef idx="2">
@@ -7018,7 +6922,7 @@
           <a:lstStyle/>
           <a:p>
             <a:pPr algn="ctr"/>
-            <a:endParaRPr lang="zh-CN" altLang="en-US"/>
+            <a:endParaRPr lang="zh-CN" altLang="en-US" dirty="0"/>
           </a:p>
         </p:txBody>
       </p:sp>
@@ -7107,7 +7011,7 @@
           <a:p>
             <a:fld id="{CA7BA1A3-2974-40AA-98AE-FB4AAFCEC7C8}" type="datetime1">
               <a:rPr lang="zh-CN" altLang="en-US" smtClean="0"/>
-              <a:t>2019/11/23</a:t>
+              <a:t>2019/11/26</a:t>
             </a:fld>
             <a:endParaRPr lang="en-US" dirty="0"/>
           </a:p>
@@ -7278,7 +7182,7 @@
                     <a:p>
                       <a:pPr algn="ctr"/>
                       <a:r>
-                        <a:rPr lang="en-US" altLang="zh-CN"/>
+                        <a:rPr lang="en-US" altLang="zh-CN" dirty="0"/>
                         <a:t>96.89%</a:t>
                       </a:r>
                       <a:endParaRPr lang="zh-CN" altLang="en-US" dirty="0"/>
@@ -7529,7 +7433,7 @@
           <a:p>
             <a:fld id="{CA7BA1A3-2974-40AA-98AE-FB4AAFCEC7C8}" type="datetime1">
               <a:rPr lang="zh-CN" altLang="en-US" smtClean="0"/>
-              <a:t>2019/11/23</a:t>
+              <a:t>2019/11/26</a:t>
             </a:fld>
             <a:endParaRPr lang="en-US" dirty="0"/>
           </a:p>
@@ -7557,7 +7461,7 @@
           <a:lstStyle/>
           <a:p>
             <a:r>
-              <a:rPr lang="en-US" altLang="zh-CN" noProof="0"/>
+              <a:rPr lang="en-US" altLang="zh-CN" noProof="0" dirty="0"/>
               <a:t>RFML</a:t>
             </a:r>
             <a:endParaRPr lang="zh-CN" altLang="en-US" noProof="0" dirty="0"/>
@@ -7609,7 +7513,7 @@
           <p:nvPr>
             <p:extLst>
               <p:ext uri="{D42A27DB-BD31-4B8C-83A1-F6EECF244321}">
-                <p14:modId xmlns:p14="http://schemas.microsoft.com/office/powerpoint/2010/main" val="3439596642"/>
+                <p14:modId xmlns:p14="http://schemas.microsoft.com/office/powerpoint/2010/main" val="3326471492"/>
               </p:ext>
             </p:extLst>
           </p:nvPr>
@@ -7699,6 +7603,10 @@
                     <a:lstStyle/>
                     <a:p>
                       <a:pPr algn="ctr"/>
+                      <a:r>
+                        <a:rPr lang="en-US" altLang="zh-CN" dirty="0"/>
+                        <a:t>98.33%</a:t>
+                      </a:r>
                       <a:endParaRPr lang="zh-CN" altLang="en-US" dirty="0"/>
                     </a:p>
                   </a:txBody>
@@ -7732,6 +7640,10 @@
                     <a:lstStyle/>
                     <a:p>
                       <a:pPr algn="ctr"/>
+                      <a:r>
+                        <a:rPr lang="en-US" altLang="zh-CN" dirty="0"/>
+                        <a:t>96.05%</a:t>
+                      </a:r>
                       <a:endParaRPr lang="zh-CN" altLang="en-US" dirty="0"/>
                     </a:p>
                   </a:txBody>
@@ -7765,6 +7677,10 @@
                     <a:lstStyle/>
                     <a:p>
                       <a:pPr algn="ctr"/>
+                      <a:r>
+                        <a:rPr lang="en-US" altLang="zh-CN" dirty="0"/>
+                        <a:t>91.80%</a:t>
+                      </a:r>
                       <a:endParaRPr lang="zh-CN" altLang="en-US" dirty="0"/>
                     </a:p>
                   </a:txBody>
@@ -7798,6 +7714,10 @@
                     <a:lstStyle/>
                     <a:p>
                       <a:pPr algn="ctr"/>
+                      <a:r>
+                        <a:rPr lang="en-US" altLang="zh-CN" dirty="0"/>
+                        <a:t>85.05%</a:t>
+                      </a:r>
                       <a:endParaRPr lang="zh-CN" altLang="en-US" dirty="0"/>
                     </a:p>
                   </a:txBody>
@@ -7831,6 +7751,10 @@
                     <a:lstStyle/>
                     <a:p>
                       <a:pPr algn="ctr"/>
+                      <a:r>
+                        <a:rPr lang="en-US" altLang="zh-CN" dirty="0"/>
+                        <a:t>70.27%</a:t>
+                      </a:r>
                       <a:endParaRPr lang="zh-CN" altLang="en-US" dirty="0"/>
                     </a:p>
                   </a:txBody>
@@ -7846,6 +7770,50 @@
           </a:graphicData>
         </a:graphic>
       </p:graphicFrame>
+      <p:sp>
+        <p:nvSpPr>
+          <p:cNvPr id="6" name="文本框 5">
+            <a:extLst>
+              <a:ext uri="{FF2B5EF4-FFF2-40B4-BE49-F238E27FC236}">
+                <a16:creationId xmlns:a16="http://schemas.microsoft.com/office/drawing/2014/main" id="{B5BB2DEE-9158-4EB5-AB80-FA9D8AC78CA9}"/>
+              </a:ext>
+            </a:extLst>
+          </p:cNvPr>
+          <p:cNvSpPr txBox="1"/>
+          <p:nvPr/>
+        </p:nvSpPr>
+        <p:spPr>
+          <a:xfrm>
+            <a:off x="5530858" y="5635345"/>
+            <a:ext cx="838691" cy="369332"/>
+          </a:xfrm>
+          <a:prstGeom prst="rect">
+            <a:avLst/>
+          </a:prstGeom>
+          <a:noFill/>
+        </p:spPr>
+        <p:txBody>
+          <a:bodyPr wrap="none" rtlCol="0">
+            <a:spAutoFit/>
+          </a:bodyPr>
+          <a:lstStyle/>
+          <a:p>
+            <a:r>
+              <a:rPr lang="en-US" altLang="zh-CN" dirty="0">
+                <a:solidFill>
+                  <a:srgbClr val="FF0000"/>
+                </a:solidFill>
+              </a:rPr>
+              <a:t>99.2%</a:t>
+            </a:r>
+            <a:endParaRPr lang="zh-CN" altLang="en-US" dirty="0">
+              <a:solidFill>
+                <a:srgbClr val="FF0000"/>
+              </a:solidFill>
+            </a:endParaRPr>
+          </a:p>
+        </p:txBody>
+      </p:sp>
     </p:spTree>
     <p:extLst>
       <p:ext uri="{BB962C8B-B14F-4D97-AF65-F5344CB8AC3E}">
@@ -7881,18 +7849,18 @@
       </p:grpSpPr>
       <p:sp>
         <p:nvSpPr>
-          <p:cNvPr id="2" name="标题 1">
-            <a:extLst>
-              <a:ext uri="{FF2B5EF4-FFF2-40B4-BE49-F238E27FC236}">
-                <a16:creationId xmlns:a16="http://schemas.microsoft.com/office/drawing/2014/main" id="{2967BFD7-50C3-4F79-977C-2389F33F36CF}"/>
-              </a:ext>
-            </a:extLst>
-          </p:cNvPr>
-          <p:cNvSpPr>
-            <a:spLocks noGrp="1"/>
-          </p:cNvSpPr>
-          <p:nvPr>
-            <p:ph type="title"/>
+          <p:cNvPr id="3" name="日期占位符 2">
+            <a:extLst>
+              <a:ext uri="{FF2B5EF4-FFF2-40B4-BE49-F238E27FC236}">
+                <a16:creationId xmlns:a16="http://schemas.microsoft.com/office/drawing/2014/main" id="{764C7325-BF57-4B02-8D6B-AA4C93AE28A9}"/>
+              </a:ext>
+            </a:extLst>
+          </p:cNvPr>
+          <p:cNvSpPr>
+            <a:spLocks noGrp="1"/>
+          </p:cNvSpPr>
+          <p:nvPr>
+            <p:ph type="dt" sz="half" idx="10"/>
           </p:nvPr>
         </p:nvSpPr>
         <p:spPr/>
@@ -7900,38 +7868,9 @@
           <a:bodyPr/>
           <a:lstStyle/>
           <a:p>
-            <a:r>
-              <a:rPr lang="en-US" altLang="zh-CN" dirty="0"/>
-              <a:t>CNN</a:t>
-            </a:r>
-            <a:endParaRPr lang="zh-CN" altLang="en-US" dirty="0"/>
-          </a:p>
-        </p:txBody>
-      </p:sp>
-      <p:sp>
-        <p:nvSpPr>
-          <p:cNvPr id="3" name="日期占位符 2">
-            <a:extLst>
-              <a:ext uri="{FF2B5EF4-FFF2-40B4-BE49-F238E27FC236}">
-                <a16:creationId xmlns:a16="http://schemas.microsoft.com/office/drawing/2014/main" id="{4E93B7A0-AF75-4A72-89C4-DAD541291B0B}"/>
-              </a:ext>
-            </a:extLst>
-          </p:cNvPr>
-          <p:cNvSpPr>
-            <a:spLocks noGrp="1"/>
-          </p:cNvSpPr>
-          <p:nvPr>
-            <p:ph type="dt" sz="half" idx="10"/>
-          </p:nvPr>
-        </p:nvSpPr>
-        <p:spPr/>
-        <p:txBody>
-          <a:bodyPr/>
-          <a:lstStyle/>
-          <a:p>
-            <a:fld id="{BBE60FB2-9A55-4864-A278-C1EFB3DE4448}" type="datetime1">
+            <a:fld id="{CA7BA1A3-2974-40AA-98AE-FB4AAFCEC7C8}" type="datetime1">
               <a:rPr lang="zh-CN" altLang="en-US" smtClean="0"/>
-              <a:t>2019/11/23</a:t>
+              <a:t>2019/11/26</a:t>
             </a:fld>
             <a:endParaRPr lang="en-US" dirty="0"/>
           </a:p>
@@ -7942,7 +7881,7 @@
           <p:cNvPr id="4" name="页脚占位符 3">
             <a:extLst>
               <a:ext uri="{FF2B5EF4-FFF2-40B4-BE49-F238E27FC236}">
-                <a16:creationId xmlns:a16="http://schemas.microsoft.com/office/drawing/2014/main" id="{C3DB7906-DB2D-47FA-BBCB-8B837397B888}"/>
+                <a16:creationId xmlns:a16="http://schemas.microsoft.com/office/drawing/2014/main" id="{EFDFF5F5-0801-41CE-BE1C-4E6B8FBF4784}"/>
               </a:ext>
             </a:extLst>
           </p:cNvPr>
@@ -7971,7 +7910,7 @@
           <p:cNvPr id="5" name="灯片编号占位符 4">
             <a:extLst>
               <a:ext uri="{FF2B5EF4-FFF2-40B4-BE49-F238E27FC236}">
-                <a16:creationId xmlns:a16="http://schemas.microsoft.com/office/drawing/2014/main" id="{0E970B73-B30A-4CDE-9497-591FEB92F0E9}"/>
+                <a16:creationId xmlns:a16="http://schemas.microsoft.com/office/drawing/2014/main" id="{A6E111C5-4119-4075-835F-B63351020482}"/>
               </a:ext>
             </a:extLst>
           </p:cNvPr>
@@ -7996,12 +7935,37 @@
           </a:p>
         </p:txBody>
       </p:sp>
+      <p:sp>
+        <p:nvSpPr>
+          <p:cNvPr id="7" name="文本占位符 6">
+            <a:extLst>
+              <a:ext uri="{FF2B5EF4-FFF2-40B4-BE49-F238E27FC236}">
+                <a16:creationId xmlns:a16="http://schemas.microsoft.com/office/drawing/2014/main" id="{CAAAEABF-211A-4C9D-B270-509D20E2AB82}"/>
+              </a:ext>
+            </a:extLst>
+          </p:cNvPr>
+          <p:cNvSpPr>
+            <a:spLocks noGrp="1"/>
+          </p:cNvSpPr>
+          <p:nvPr>
+            <p:ph type="body" sz="quarter" idx="14"/>
+          </p:nvPr>
+        </p:nvSpPr>
+        <p:spPr/>
+        <p:txBody>
+          <a:bodyPr/>
+          <a:lstStyle/>
+          <a:p>
+            <a:endParaRPr lang="zh-CN" altLang="en-US"/>
+          </a:p>
+        </p:txBody>
+      </p:sp>
       <p:pic>
         <p:nvPicPr>
-          <p:cNvPr id="6" name="图片 5">
-            <a:extLst>
-              <a:ext uri="{FF2B5EF4-FFF2-40B4-BE49-F238E27FC236}">
-                <a16:creationId xmlns:a16="http://schemas.microsoft.com/office/drawing/2014/main" id="{42BA58EB-BD2E-4967-BF3F-6043921ABA01}"/>
+          <p:cNvPr id="8" name="图片 7">
+            <a:extLst>
+              <a:ext uri="{FF2B5EF4-FFF2-40B4-BE49-F238E27FC236}">
+                <a16:creationId xmlns:a16="http://schemas.microsoft.com/office/drawing/2014/main" id="{0A99ABE7-B7C4-4B0C-BF6D-CF6E8673FEF1}"/>
               </a:ext>
             </a:extLst>
           </p:cNvPr>
@@ -8010,16 +7974,15 @@
           </p:cNvPicPr>
           <p:nvPr/>
         </p:nvPicPr>
-        <p:blipFill>
+        <p:blipFill rotWithShape="1">
           <a:blip r:embed="rId2"/>
-          <a:stretch>
-            <a:fillRect/>
-          </a:stretch>
+          <a:srcRect l="2261" t="12199" r="2526" b="3362"/>
+          <a:stretch/>
         </p:blipFill>
         <p:spPr>
           <a:xfrm>
-            <a:off x="660049" y="2060375"/>
-            <a:ext cx="10662290" cy="3577027"/>
+            <a:off x="781050" y="0"/>
+            <a:ext cx="10953344" cy="6792206"/>
           </a:xfrm>
           <a:prstGeom prst="rect">
             <a:avLst/>
@@ -8029,7 +7992,7 @@
     </p:spTree>
     <p:extLst>
       <p:ext uri="{BB962C8B-B14F-4D97-AF65-F5344CB8AC3E}">
-        <p14:creationId xmlns:p14="http://schemas.microsoft.com/office/powerpoint/2010/main" val="789549450"/>
+        <p14:creationId xmlns:p14="http://schemas.microsoft.com/office/powerpoint/2010/main" val="41930788"/>
       </p:ext>
     </p:extLst>
   </p:cSld>
